--- a/아키텍쳐.pptx
+++ b/아키텍쳐.pptx
@@ -105,6 +105,11 @@
       </a:defRPr>
     </a:lvl9pPr>
   </p:defaultTextStyle>
+  <p:extLst>
+    <p:ext uri="{EFAFB233-063F-42B5-8137-9DF3F51BA10A}">
+      <p15:sldGuideLst xmlns:p15="http://schemas.microsoft.com/office/powerpoint/2012/main"/>
+    </p:ext>
+  </p:extLst>
 </p:presentation>
 </file>
 
@@ -255,7 +260,7 @@
           <a:p>
             <a:fld id="{A13E75FA-D136-4D65-88CF-09EC309EC3FC}" type="datetimeFigureOut">
               <a:rPr lang="ko-KR" altLang="en-US" smtClean="0"/>
-              <a:t>2024-04-17</a:t>
+              <a:t>2024-04-26</a:t>
             </a:fld>
             <a:endParaRPr lang="ko-KR" altLang="en-US"/>
           </a:p>
@@ -453,7 +458,7 @@
           <a:p>
             <a:fld id="{A13E75FA-D136-4D65-88CF-09EC309EC3FC}" type="datetimeFigureOut">
               <a:rPr lang="ko-KR" altLang="en-US" smtClean="0"/>
-              <a:t>2024-04-17</a:t>
+              <a:t>2024-04-26</a:t>
             </a:fld>
             <a:endParaRPr lang="ko-KR" altLang="en-US"/>
           </a:p>
@@ -661,7 +666,7 @@
           <a:p>
             <a:fld id="{A13E75FA-D136-4D65-88CF-09EC309EC3FC}" type="datetimeFigureOut">
               <a:rPr lang="ko-KR" altLang="en-US" smtClean="0"/>
-              <a:t>2024-04-17</a:t>
+              <a:t>2024-04-26</a:t>
             </a:fld>
             <a:endParaRPr lang="ko-KR" altLang="en-US"/>
           </a:p>
@@ -859,7 +864,7 @@
           <a:p>
             <a:fld id="{A13E75FA-D136-4D65-88CF-09EC309EC3FC}" type="datetimeFigureOut">
               <a:rPr lang="ko-KR" altLang="en-US" smtClean="0"/>
-              <a:t>2024-04-17</a:t>
+              <a:t>2024-04-26</a:t>
             </a:fld>
             <a:endParaRPr lang="ko-KR" altLang="en-US"/>
           </a:p>
@@ -1134,7 +1139,7 @@
           <a:p>
             <a:fld id="{A13E75FA-D136-4D65-88CF-09EC309EC3FC}" type="datetimeFigureOut">
               <a:rPr lang="ko-KR" altLang="en-US" smtClean="0"/>
-              <a:t>2024-04-17</a:t>
+              <a:t>2024-04-26</a:t>
             </a:fld>
             <a:endParaRPr lang="ko-KR" altLang="en-US"/>
           </a:p>
@@ -1399,7 +1404,7 @@
           <a:p>
             <a:fld id="{A13E75FA-D136-4D65-88CF-09EC309EC3FC}" type="datetimeFigureOut">
               <a:rPr lang="ko-KR" altLang="en-US" smtClean="0"/>
-              <a:t>2024-04-17</a:t>
+              <a:t>2024-04-26</a:t>
             </a:fld>
             <a:endParaRPr lang="ko-KR" altLang="en-US"/>
           </a:p>
@@ -1811,7 +1816,7 @@
           <a:p>
             <a:fld id="{A13E75FA-D136-4D65-88CF-09EC309EC3FC}" type="datetimeFigureOut">
               <a:rPr lang="ko-KR" altLang="en-US" smtClean="0"/>
-              <a:t>2024-04-17</a:t>
+              <a:t>2024-04-26</a:t>
             </a:fld>
             <a:endParaRPr lang="ko-KR" altLang="en-US"/>
           </a:p>
@@ -1952,7 +1957,7 @@
           <a:p>
             <a:fld id="{A13E75FA-D136-4D65-88CF-09EC309EC3FC}" type="datetimeFigureOut">
               <a:rPr lang="ko-KR" altLang="en-US" smtClean="0"/>
-              <a:t>2024-04-17</a:t>
+              <a:t>2024-04-26</a:t>
             </a:fld>
             <a:endParaRPr lang="ko-KR" altLang="en-US"/>
           </a:p>
@@ -2065,7 +2070,7 @@
           <a:p>
             <a:fld id="{A13E75FA-D136-4D65-88CF-09EC309EC3FC}" type="datetimeFigureOut">
               <a:rPr lang="ko-KR" altLang="en-US" smtClean="0"/>
-              <a:t>2024-04-17</a:t>
+              <a:t>2024-04-26</a:t>
             </a:fld>
             <a:endParaRPr lang="ko-KR" altLang="en-US"/>
           </a:p>
@@ -2376,7 +2381,7 @@
           <a:p>
             <a:fld id="{A13E75FA-D136-4D65-88CF-09EC309EC3FC}" type="datetimeFigureOut">
               <a:rPr lang="ko-KR" altLang="en-US" smtClean="0"/>
-              <a:t>2024-04-17</a:t>
+              <a:t>2024-04-26</a:t>
             </a:fld>
             <a:endParaRPr lang="ko-KR" altLang="en-US"/>
           </a:p>
@@ -2664,7 +2669,7 @@
           <a:p>
             <a:fld id="{A13E75FA-D136-4D65-88CF-09EC309EC3FC}" type="datetimeFigureOut">
               <a:rPr lang="ko-KR" altLang="en-US" smtClean="0"/>
-              <a:t>2024-04-17</a:t>
+              <a:t>2024-04-26</a:t>
             </a:fld>
             <a:endParaRPr lang="ko-KR" altLang="en-US"/>
           </a:p>
@@ -2905,7 +2910,7 @@
           <a:p>
             <a:fld id="{A13E75FA-D136-4D65-88CF-09EC309EC3FC}" type="datetimeFigureOut">
               <a:rPr lang="ko-KR" altLang="en-US" smtClean="0"/>
-              <a:t>2024-04-17</a:t>
+              <a:t>2024-04-26</a:t>
             </a:fld>
             <a:endParaRPr lang="ko-KR" altLang="en-US"/>
           </a:p>
@@ -3376,7 +3381,7 @@
         <p:spPr>
           <a:xfrm>
             <a:off x="574431" y="894643"/>
-            <a:ext cx="11300894" cy="1477328"/>
+            <a:ext cx="11300894" cy="2308324"/>
           </a:xfrm>
           <a:prstGeom prst="rect">
             <a:avLst/>
@@ -3513,8 +3518,112 @@
               <a:t>.</a:t>
             </a:r>
           </a:p>
-        </p:txBody>
-      </p:sp>
+          <a:p>
+            <a:pPr marL="285750" indent="-285750">
+              <a:buFontTx/>
+              <a:buChar char="-"/>
+            </a:pPr>
+            <a:endParaRPr lang="en-US" altLang="ko-KR" dirty="0"/>
+          </a:p>
+          <a:p>
+            <a:pPr marL="285750" indent="-285750">
+              <a:buFontTx/>
+              <a:buChar char="-"/>
+            </a:pPr>
+            <a:r>
+              <a:rPr lang="ko-KR" altLang="en-US" dirty="0"/>
+              <a:t>팩토리 패턴</a:t>
+            </a:r>
+            <a:r>
+              <a:rPr lang="en-US" altLang="ko-KR" dirty="0"/>
+              <a:t>. </a:t>
+            </a:r>
+            <a:r>
+              <a:rPr lang="ko-KR" altLang="en-US" dirty="0"/>
+              <a:t>이걸로 아이템</a:t>
+            </a:r>
+            <a:r>
+              <a:rPr lang="en-US" altLang="ko-KR" dirty="0"/>
+              <a:t>, </a:t>
+            </a:r>
+            <a:r>
+              <a:rPr lang="ko-KR" altLang="en-US" dirty="0"/>
+              <a:t>이벤트 등 관리하도록 합니다</a:t>
+            </a:r>
+            <a:r>
+              <a:rPr lang="en-US" altLang="ko-KR" dirty="0"/>
+              <a:t>.</a:t>
+            </a:r>
+          </a:p>
+          <a:p>
+            <a:pPr marL="285750" indent="-285750">
+              <a:buFontTx/>
+              <a:buChar char="-"/>
+            </a:pPr>
+            <a:endParaRPr lang="en-US" altLang="ko-KR" dirty="0"/>
+          </a:p>
+        </p:txBody>
+      </p:sp>
+      <p:pic>
+        <p:nvPicPr>
+          <p:cNvPr id="3" name="그림 2">
+            <a:extLst>
+              <a:ext uri="{FF2B5EF4-FFF2-40B4-BE49-F238E27FC236}">
+                <a16:creationId xmlns:a16="http://schemas.microsoft.com/office/drawing/2014/main" id="{C9288495-9BB7-31A8-BA73-A7B7BEF1A398}"/>
+              </a:ext>
+            </a:extLst>
+          </p:cNvPr>
+          <p:cNvPicPr>
+            <a:picLocks noChangeAspect="1"/>
+          </p:cNvPicPr>
+          <p:nvPr/>
+        </p:nvPicPr>
+        <p:blipFill>
+          <a:blip r:embed="rId2"/>
+          <a:stretch>
+            <a:fillRect/>
+          </a:stretch>
+        </p:blipFill>
+        <p:spPr>
+          <a:xfrm>
+            <a:off x="1099351" y="3020962"/>
+            <a:ext cx="3603278" cy="3691779"/>
+          </a:xfrm>
+          <a:prstGeom prst="rect">
+            <a:avLst/>
+          </a:prstGeom>
+        </p:spPr>
+      </p:pic>
+      <p:pic>
+        <p:nvPicPr>
+          <p:cNvPr id="5" name="그림 4">
+            <a:extLst>
+              <a:ext uri="{FF2B5EF4-FFF2-40B4-BE49-F238E27FC236}">
+                <a16:creationId xmlns:a16="http://schemas.microsoft.com/office/drawing/2014/main" id="{A87FFF05-27A4-58F7-A7DF-EEC4DAF5CB7B}"/>
+              </a:ext>
+            </a:extLst>
+          </p:cNvPr>
+          <p:cNvPicPr>
+            <a:picLocks noChangeAspect="1"/>
+          </p:cNvPicPr>
+          <p:nvPr/>
+        </p:nvPicPr>
+        <p:blipFill>
+          <a:blip r:embed="rId3"/>
+          <a:stretch>
+            <a:fillRect/>
+          </a:stretch>
+        </p:blipFill>
+        <p:spPr>
+          <a:xfrm>
+            <a:off x="5227549" y="2953831"/>
+            <a:ext cx="3711639" cy="3826039"/>
+          </a:xfrm>
+          <a:prstGeom prst="rect">
+            <a:avLst/>
+          </a:prstGeom>
+        </p:spPr>
+      </p:pic>
     </p:spTree>
     <p:extLst>
       <p:ext uri="{BB962C8B-B14F-4D97-AF65-F5344CB8AC3E}">
